--- a/Complimentary Course Content/Module2/Lessons/Module2_Lesson8 Deploying Node.js Web Applications to Azure.pptx
+++ b/Complimentary Course Content/Module2/Lessons/Module2_Lesson8 Deploying Node.js Web Applications to Azure.pptx
@@ -177,7 +177,7 @@
       </p14:sectionLst>
     </p:ext>
     <p:ext uri="{EFAFB233-063F-42B5-8137-9DF3F51BA10A}">
-      <p15:sldGuideLst xmlns:p15="http://schemas.microsoft.com/office/powerpoint/2012/main" xmlns="">
+      <p15:sldGuideLst xmlns:p15="http://schemas.microsoft.com/office/powerpoint/2012/main">
         <p15:guide id="1" orient="horz" pos="3952" userDrawn="1">
           <p15:clr>
             <a:srgbClr val="A4A3A4"/>
@@ -293,7 +293,7 @@
             <a:fld id="{2E5CA586-3557-4985-BCD4-35EF5AC8B4A4}" type="datetimeFigureOut">
               <a:rPr lang="en-US" smtClean="0"/>
               <a:pPr/>
-              <a:t>7/11/16</a:t>
+              <a:t>12/20/16</a:t>
             </a:fld>
             <a:endParaRPr lang="en-US"/>
           </a:p>
@@ -5111,7 +5111,7 @@
   <p:clrMapOvr>
     <a:masterClrMapping/>
   </p:clrMapOvr>
-  <p:transition xmlns:p14="http://schemas.microsoft.com/office/powerpoint/2010/main">
+  <p:transition>
     <p:fade/>
   </p:transition>
 </p:sldLayout>
@@ -5732,7 +5732,7 @@
   <p:clrMapOvr>
     <a:masterClrMapping/>
   </p:clrMapOvr>
-  <p:transition xmlns:p14="http://schemas.microsoft.com/office/powerpoint/2010/main">
+  <p:transition>
     <p:fade/>
   </p:transition>
 </p:sldLayout>
@@ -5869,7 +5869,7 @@
   <p:clrMapOvr>
     <a:masterClrMapping/>
   </p:clrMapOvr>
-  <p:transition xmlns:p14="http://schemas.microsoft.com/office/powerpoint/2010/main">
+  <p:transition>
     <p:fade/>
   </p:transition>
 </p:sldLayout>
@@ -7135,7 +7135,7 @@
             </a:ln>
             <a:extLst>
               <a:ext uri="{91240B29-F687-4f45-9708-019B960494DF}">
-                <a14:hiddenLine xmlns:a14="http://schemas.microsoft.com/office/drawing/2010/main" w="9525">
+                <a14:hiddenLine xmlns:a14="http://schemas.microsoft.com/office/drawing/2010/main" xmlns="" w="9525">
                   <a:solidFill>
                     <a:srgbClr val="000000"/>
                   </a:solidFill>
@@ -7187,7 +7187,7 @@
             </a:ln>
             <a:extLst>
               <a:ext uri="{91240B29-F687-4f45-9708-019B960494DF}">
-                <a14:hiddenLine xmlns:a14="http://schemas.microsoft.com/office/drawing/2010/main" w="9525">
+                <a14:hiddenLine xmlns:a14="http://schemas.microsoft.com/office/drawing/2010/main" xmlns="" w="9525">
                   <a:solidFill>
                     <a:srgbClr val="000000"/>
                   </a:solidFill>
@@ -7239,7 +7239,7 @@
             </a:ln>
             <a:extLst>
               <a:ext uri="{91240B29-F687-4f45-9708-019B960494DF}">
-                <a14:hiddenLine xmlns:a14="http://schemas.microsoft.com/office/drawing/2010/main" w="9525">
+                <a14:hiddenLine xmlns:a14="http://schemas.microsoft.com/office/drawing/2010/main" xmlns="" w="9525">
                   <a:solidFill>
                     <a:srgbClr val="000000"/>
                   </a:solidFill>
@@ -7291,7 +7291,7 @@
             </a:ln>
             <a:extLst>
               <a:ext uri="{91240B29-F687-4f45-9708-019B960494DF}">
-                <a14:hiddenLine xmlns:a14="http://schemas.microsoft.com/office/drawing/2010/main" w="9525">
+                <a14:hiddenLine xmlns:a14="http://schemas.microsoft.com/office/drawing/2010/main" xmlns="" w="9525">
                   <a:solidFill>
                     <a:srgbClr val="000000"/>
                   </a:solidFill>
@@ -7343,7 +7343,7 @@
             </a:ln>
             <a:extLst>
               <a:ext uri="{91240B29-F687-4f45-9708-019B960494DF}">
-                <a14:hiddenLine xmlns:a14="http://schemas.microsoft.com/office/drawing/2010/main" w="9525">
+                <a14:hiddenLine xmlns:a14="http://schemas.microsoft.com/office/drawing/2010/main" xmlns="" w="9525">
                   <a:solidFill>
                     <a:srgbClr val="000000"/>
                   </a:solidFill>
@@ -7495,7 +7495,7 @@
   <p:clrMapOvr>
     <a:overrideClrMapping bg1="lt1" tx1="dk1" bg2="lt2" tx2="dk2" accent1="accent1" accent2="accent2" accent3="accent3" accent4="accent4" accent5="accent5" accent6="accent6" hlink="hlink" folHlink="folHlink"/>
   </p:clrMapOvr>
-  <p:transition xmlns:p14="http://schemas.microsoft.com/office/powerpoint/2010/main">
+  <p:transition>
     <p:fade/>
   </p:transition>
 </p:sldLayout>
@@ -7748,7 +7748,7 @@
   <p:clrMapOvr>
     <a:masterClrMapping/>
   </p:clrMapOvr>
-  <p:transition xmlns:p14="http://schemas.microsoft.com/office/powerpoint/2010/main">
+  <p:transition>
     <p:fade/>
   </p:transition>
 </p:sldLayout>
@@ -8054,7 +8054,7 @@
   <p:clrMapOvr>
     <a:masterClrMapping/>
   </p:clrMapOvr>
-  <p:transition xmlns:p14="http://schemas.microsoft.com/office/powerpoint/2010/main">
+  <p:transition>
     <p:fade/>
   </p:transition>
 </p:sldLayout>
@@ -8269,7 +8269,7 @@
   <p:clrMapOvr>
     <a:masterClrMapping/>
   </p:clrMapOvr>
-  <p:transition xmlns:p14="http://schemas.microsoft.com/office/powerpoint/2010/main">
+  <p:transition>
     <p:fade/>
   </p:transition>
 </p:sldLayout>
@@ -8927,7 +8927,7 @@
   <p:clrMapOvr>
     <a:masterClrMapping/>
   </p:clrMapOvr>
-  <p:transition xmlns:p14="http://schemas.microsoft.com/office/powerpoint/2010/main">
+  <p:transition>
     <p:fade/>
   </p:transition>
 </p:sldLayout>
@@ -9048,7 +9048,7 @@
                 <a:latin typeface="Segoe UI"/>
               </a:rPr>
               <a:pPr/>
-              <a:t>7/11/16</a:t>
+              <a:t>12/20/16</a:t>
             </a:fld>
             <a:endParaRPr lang="en-US">
               <a:solidFill>
@@ -9851,7 +9851,7 @@
           </a:ln>
           <a:extLst>
             <a:ext uri="{91240B29-F687-4f45-9708-019B960494DF}">
-              <a14:hiddenLine xmlns:a14="http://schemas.microsoft.com/office/drawing/2010/main" w="9525">
+              <a14:hiddenLine xmlns:a14="http://schemas.microsoft.com/office/drawing/2010/main" xmlns="" w="9525">
                 <a:solidFill>
                   <a:srgbClr val="000000"/>
                 </a:solidFill>
@@ -9889,7 +9889,7 @@
   <p:clrMapOvr>
     <a:masterClrMapping/>
   </p:clrMapOvr>
-  <p:transition xmlns:p14="http://schemas.microsoft.com/office/powerpoint/2010/main">
+  <p:transition>
     <p:fade/>
   </p:transition>
 </p:sldLayout>
@@ -11490,7 +11490,7 @@
   <p:clrMapOvr>
     <a:masterClrMapping/>
   </p:clrMapOvr>
-  <p:transition xmlns:p14="http://schemas.microsoft.com/office/powerpoint/2010/main">
+  <p:transition>
     <p:fade/>
   </p:transition>
 </p:sldLayout>
@@ -12119,7 +12119,7 @@
   <p:clrMapOvr>
     <a:masterClrMapping/>
   </p:clrMapOvr>
-  <p:transition xmlns:p14="http://schemas.microsoft.com/office/powerpoint/2010/main">
+  <p:transition>
     <p:fade/>
   </p:transition>
 </p:sldLayout>
@@ -12426,7 +12426,7 @@
             </a:ln>
             <a:extLst>
               <a:ext uri="{91240B29-F687-4f45-9708-019B960494DF}">
-                <a14:hiddenLine xmlns:a14="http://schemas.microsoft.com/office/drawing/2010/main" w="9525">
+                <a14:hiddenLine xmlns:a14="http://schemas.microsoft.com/office/drawing/2010/main" xmlns="" w="9525">
                   <a:solidFill>
                     <a:srgbClr val="000000"/>
                   </a:solidFill>
@@ -13005,7 +13005,7 @@
             </a:ln>
             <a:extLst>
               <a:ext uri="{91240B29-F687-4f45-9708-019B960494DF}">
-                <a14:hiddenLine xmlns:a14="http://schemas.microsoft.com/office/drawing/2010/main" w="9525">
+                <a14:hiddenLine xmlns:a14="http://schemas.microsoft.com/office/drawing/2010/main" xmlns="" w="9525">
                   <a:solidFill>
                     <a:srgbClr val="000000"/>
                   </a:solidFill>
@@ -13044,7 +13044,7 @@
   <p:clrMapOvr>
     <a:masterClrMapping/>
   </p:clrMapOvr>
-  <p:transition xmlns:p14="http://schemas.microsoft.com/office/powerpoint/2010/main">
+  <p:transition>
     <p:fade/>
   </p:transition>
 </p:sldLayout>
@@ -13181,7 +13181,7 @@
   <p:clrMapOvr>
     <a:masterClrMapping/>
   </p:clrMapOvr>
-  <p:transition xmlns:p14="http://schemas.microsoft.com/office/powerpoint/2010/main">
+  <p:transition>
     <p:fade/>
   </p:transition>
 </p:sldLayout>
@@ -14447,7 +14447,7 @@
             </a:ln>
             <a:extLst>
               <a:ext uri="{91240B29-F687-4f45-9708-019B960494DF}">
-                <a14:hiddenLine xmlns:a14="http://schemas.microsoft.com/office/drawing/2010/main" w="9525">
+                <a14:hiddenLine xmlns:a14="http://schemas.microsoft.com/office/drawing/2010/main" xmlns="" w="9525">
                   <a:solidFill>
                     <a:srgbClr val="000000"/>
                   </a:solidFill>
@@ -14498,7 +14498,7 @@
             </a:ln>
             <a:extLst>
               <a:ext uri="{91240B29-F687-4f45-9708-019B960494DF}">
-                <a14:hiddenLine xmlns:a14="http://schemas.microsoft.com/office/drawing/2010/main" w="9525">
+                <a14:hiddenLine xmlns:a14="http://schemas.microsoft.com/office/drawing/2010/main" xmlns="" w="9525">
                   <a:solidFill>
                     <a:srgbClr val="000000"/>
                   </a:solidFill>
@@ -14549,7 +14549,7 @@
             </a:ln>
             <a:extLst>
               <a:ext uri="{91240B29-F687-4f45-9708-019B960494DF}">
-                <a14:hiddenLine xmlns:a14="http://schemas.microsoft.com/office/drawing/2010/main" w="9525">
+                <a14:hiddenLine xmlns:a14="http://schemas.microsoft.com/office/drawing/2010/main" xmlns="" w="9525">
                   <a:solidFill>
                     <a:srgbClr val="000000"/>
                   </a:solidFill>
@@ -14600,7 +14600,7 @@
             </a:ln>
             <a:extLst>
               <a:ext uri="{91240B29-F687-4f45-9708-019B960494DF}">
-                <a14:hiddenLine xmlns:a14="http://schemas.microsoft.com/office/drawing/2010/main" w="9525">
+                <a14:hiddenLine xmlns:a14="http://schemas.microsoft.com/office/drawing/2010/main" xmlns="" w="9525">
                   <a:solidFill>
                     <a:srgbClr val="000000"/>
                   </a:solidFill>
@@ -14651,7 +14651,7 @@
             </a:ln>
             <a:extLst>
               <a:ext uri="{91240B29-F687-4f45-9708-019B960494DF}">
-                <a14:hiddenLine xmlns:a14="http://schemas.microsoft.com/office/drawing/2010/main" w="9525">
+                <a14:hiddenLine xmlns:a14="http://schemas.microsoft.com/office/drawing/2010/main" xmlns="" w="9525">
                   <a:solidFill>
                     <a:srgbClr val="000000"/>
                   </a:solidFill>
@@ -14798,7 +14798,7 @@
   <p:clrMapOvr>
     <a:overrideClrMapping bg1="lt1" tx1="dk1" bg2="lt2" tx2="dk2" accent1="accent1" accent2="accent2" accent3="accent3" accent4="accent4" accent5="accent5" accent6="accent6" hlink="hlink" folHlink="folHlink"/>
   </p:clrMapOvr>
-  <p:transition xmlns:p14="http://schemas.microsoft.com/office/powerpoint/2010/main">
+  <p:transition>
     <p:fade/>
   </p:transition>
 </p:sldLayout>
@@ -15051,7 +15051,7 @@
   <p:clrMapOvr>
     <a:masterClrMapping/>
   </p:clrMapOvr>
-  <p:transition xmlns:p14="http://schemas.microsoft.com/office/powerpoint/2010/main">
+  <p:transition>
     <p:fade/>
   </p:transition>
 </p:sldLayout>
@@ -15357,7 +15357,7 @@
   <p:clrMapOvr>
     <a:masterClrMapping/>
   </p:clrMapOvr>
-  <p:transition xmlns:p14="http://schemas.microsoft.com/office/powerpoint/2010/main">
+  <p:transition>
     <p:fade/>
   </p:transition>
 </p:sldLayout>
@@ -15572,7 +15572,7 @@
   <p:clrMapOvr>
     <a:masterClrMapping/>
   </p:clrMapOvr>
-  <p:transition xmlns:p14="http://schemas.microsoft.com/office/powerpoint/2010/main">
+  <p:transition>
     <p:fade/>
   </p:transition>
 </p:sldLayout>
@@ -15727,7 +15727,7 @@
   <p:clrMapOvr>
     <a:masterClrMapping/>
   </p:clrMapOvr>
-  <p:transition xmlns:p14="http://schemas.microsoft.com/office/powerpoint/2010/main">
+  <p:transition>
     <p:fade/>
   </p:transition>
 </p:sldLayout>
@@ -16366,7 +16366,7 @@
   <p:clrMapOvr>
     <a:masterClrMapping/>
   </p:clrMapOvr>
-  <p:transition xmlns:p14="http://schemas.microsoft.com/office/powerpoint/2010/main">
+  <p:transition>
     <p:fade/>
   </p:transition>
 </p:sldLayout>
@@ -16561,7 +16561,7 @@
   <p:clrMapOvr>
     <a:masterClrMapping/>
   </p:clrMapOvr>
-  <p:transition xmlns:p14="http://schemas.microsoft.com/office/powerpoint/2010/main">
+  <p:transition>
     <p:fade/>
   </p:transition>
 </p:sldLayout>
@@ -16716,7 +16716,7 @@
   <p:clrMapOvr>
     <a:masterClrMapping/>
   </p:clrMapOvr>
-  <p:transition xmlns:p14="http://schemas.microsoft.com/office/powerpoint/2010/main">
+  <p:transition>
     <p:fade/>
   </p:transition>
 </p:sldLayout>
@@ -17083,7 +17083,7 @@
   <p:clrMapOvr>
     <a:masterClrMapping/>
   </p:clrMapOvr>
-  <p:transition xmlns:p14="http://schemas.microsoft.com/office/powerpoint/2010/main">
+  <p:transition>
     <p:fade/>
   </p:transition>
 </p:sldLayout>
@@ -17540,7 +17540,7 @@
   <p:clrMapOvr>
     <a:masterClrMapping/>
   </p:clrMapOvr>
-  <p:transition xmlns:p14="http://schemas.microsoft.com/office/powerpoint/2010/main">
+  <p:transition>
     <p:fade/>
   </p:transition>
 </p:sldLayout>
@@ -18103,7 +18103,7 @@
   <p:clrMapOvr>
     <a:masterClrMapping/>
   </p:clrMapOvr>
-  <p:transition xmlns:p14="http://schemas.microsoft.com/office/powerpoint/2010/main">
+  <p:transition>
     <p:fade/>
   </p:transition>
 </p:sldLayout>
@@ -18205,7 +18205,7 @@
   <p:clrMapOvr>
     <a:masterClrMapping/>
   </p:clrMapOvr>
-  <p:transition xmlns:p14="http://schemas.microsoft.com/office/powerpoint/2010/main">
+  <p:transition>
     <p:fade/>
   </p:transition>
 </p:sldLayout>
@@ -18275,7 +18275,7 @@
   <p:clrMapOvr>
     <a:masterClrMapping/>
   </p:clrMapOvr>
-  <p:transition xmlns:p14="http://schemas.microsoft.com/office/powerpoint/2010/main">
+  <p:transition>
     <p:fade/>
   </p:transition>
 </p:sldLayout>
@@ -18308,7 +18308,7 @@
   <p:clrMapOvr>
     <a:masterClrMapping/>
   </p:clrMapOvr>
-  <p:transition xmlns:p14="http://schemas.microsoft.com/office/powerpoint/2010/main">
+  <p:transition>
     <p:fade/>
   </p:transition>
 </p:sldLayout>
@@ -18675,7 +18675,7 @@
   <p:clrMapOvr>
     <a:masterClrMapping/>
   </p:clrMapOvr>
-  <p:transition xmlns:p14="http://schemas.microsoft.com/office/powerpoint/2010/main">
+  <p:transition>
     <p:fade/>
   </p:transition>
 </p:sldLayout>
@@ -19269,7 +19269,7 @@
   <p:clrMapOvr>
     <a:masterClrMapping/>
   </p:clrMapOvr>
-  <p:transition xmlns:p14="http://schemas.microsoft.com/office/powerpoint/2010/main">
+  <p:transition>
     <p:fade/>
   </p:transition>
 </p:sldLayout>
@@ -19890,7 +19890,7 @@
   <p:clrMapOvr>
     <a:masterClrMapping/>
   </p:clrMapOvr>
-  <p:transition xmlns:p14="http://schemas.microsoft.com/office/powerpoint/2010/main">
+  <p:transition>
     <p:fade/>
   </p:transition>
 </p:sldLayout>
@@ -20438,7 +20438,7 @@
           </a:ln>
           <a:extLst>
             <a:ext uri="{91240B29-F687-4f45-9708-019B960494DF}">
-              <a14:hiddenLine xmlns:a14="http://schemas.microsoft.com/office/drawing/2010/main" w="9525">
+              <a14:hiddenLine xmlns:a14="http://schemas.microsoft.com/office/drawing/2010/main" xmlns="" w="9525">
                 <a:solidFill>
                   <a:srgbClr val="000000"/>
                 </a:solidFill>
@@ -20476,7 +20476,7 @@
   <p:clrMapOvr>
     <a:masterClrMapping/>
   </p:clrMapOvr>
-  <p:transition xmlns:p14="http://schemas.microsoft.com/office/powerpoint/2010/main">
+  <p:transition>
     <p:fade/>
   </p:transition>
 </p:sldLayout>
@@ -22077,7 +22077,7 @@
   <p:clrMapOvr>
     <a:masterClrMapping/>
   </p:clrMapOvr>
-  <p:transition xmlns:p14="http://schemas.microsoft.com/office/powerpoint/2010/main">
+  <p:transition>
     <p:fade/>
   </p:transition>
 </p:sldLayout>
@@ -22706,7 +22706,7 @@
   <p:clrMapOvr>
     <a:masterClrMapping/>
   </p:clrMapOvr>
-  <p:transition xmlns:p14="http://schemas.microsoft.com/office/powerpoint/2010/main">
+  <p:transition>
     <p:fade/>
   </p:transition>
 </p:sldLayout>
@@ -23013,7 +23013,7 @@
             </a:ln>
             <a:extLst>
               <a:ext uri="{91240B29-F687-4f45-9708-019B960494DF}">
-                <a14:hiddenLine xmlns:a14="http://schemas.microsoft.com/office/drawing/2010/main" w="9525">
+                <a14:hiddenLine xmlns:a14="http://schemas.microsoft.com/office/drawing/2010/main" xmlns="" w="9525">
                   <a:solidFill>
                     <a:srgbClr val="000000"/>
                   </a:solidFill>
@@ -23592,7 +23592,7 @@
             </a:ln>
             <a:extLst>
               <a:ext uri="{91240B29-F687-4f45-9708-019B960494DF}">
-                <a14:hiddenLine xmlns:a14="http://schemas.microsoft.com/office/drawing/2010/main" w="9525">
+                <a14:hiddenLine xmlns:a14="http://schemas.microsoft.com/office/drawing/2010/main" xmlns="" w="9525">
                   <a:solidFill>
                     <a:srgbClr val="000000"/>
                   </a:solidFill>
@@ -23631,7 +23631,7 @@
   <p:clrMapOvr>
     <a:masterClrMapping/>
   </p:clrMapOvr>
-  <p:transition xmlns:p14="http://schemas.microsoft.com/office/powerpoint/2010/main">
+  <p:transition>
     <p:fade/>
   </p:transition>
 </p:sldLayout>
@@ -23768,7 +23768,7 @@
   <p:clrMapOvr>
     <a:masterClrMapping/>
   </p:clrMapOvr>
-  <p:transition xmlns:p14="http://schemas.microsoft.com/office/powerpoint/2010/main">
+  <p:transition>
     <p:fade/>
   </p:transition>
 </p:sldLayout>
@@ -25034,7 +25034,7 @@
             </a:ln>
             <a:extLst>
               <a:ext uri="{91240B29-F687-4f45-9708-019B960494DF}">
-                <a14:hiddenLine xmlns:a14="http://schemas.microsoft.com/office/drawing/2010/main" w="9525">
+                <a14:hiddenLine xmlns:a14="http://schemas.microsoft.com/office/drawing/2010/main" xmlns="" w="9525">
                   <a:solidFill>
                     <a:srgbClr val="000000"/>
                   </a:solidFill>
@@ -25085,7 +25085,7 @@
             </a:ln>
             <a:extLst>
               <a:ext uri="{91240B29-F687-4f45-9708-019B960494DF}">
-                <a14:hiddenLine xmlns:a14="http://schemas.microsoft.com/office/drawing/2010/main" w="9525">
+                <a14:hiddenLine xmlns:a14="http://schemas.microsoft.com/office/drawing/2010/main" xmlns="" w="9525">
                   <a:solidFill>
                     <a:srgbClr val="000000"/>
                   </a:solidFill>
@@ -25136,7 +25136,7 @@
             </a:ln>
             <a:extLst>
               <a:ext uri="{91240B29-F687-4f45-9708-019B960494DF}">
-                <a14:hiddenLine xmlns:a14="http://schemas.microsoft.com/office/drawing/2010/main" w="9525">
+                <a14:hiddenLine xmlns:a14="http://schemas.microsoft.com/office/drawing/2010/main" xmlns="" w="9525">
                   <a:solidFill>
                     <a:srgbClr val="000000"/>
                   </a:solidFill>
@@ -25187,7 +25187,7 @@
             </a:ln>
             <a:extLst>
               <a:ext uri="{91240B29-F687-4f45-9708-019B960494DF}">
-                <a14:hiddenLine xmlns:a14="http://schemas.microsoft.com/office/drawing/2010/main" w="9525">
+                <a14:hiddenLine xmlns:a14="http://schemas.microsoft.com/office/drawing/2010/main" xmlns="" w="9525">
                   <a:solidFill>
                     <a:srgbClr val="000000"/>
                   </a:solidFill>
@@ -25238,7 +25238,7 @@
             </a:ln>
             <a:extLst>
               <a:ext uri="{91240B29-F687-4f45-9708-019B960494DF}">
-                <a14:hiddenLine xmlns:a14="http://schemas.microsoft.com/office/drawing/2010/main" w="9525">
+                <a14:hiddenLine xmlns:a14="http://schemas.microsoft.com/office/drawing/2010/main" xmlns="" w="9525">
                   <a:solidFill>
                     <a:srgbClr val="000000"/>
                   </a:solidFill>
@@ -25385,7 +25385,7 @@
   <p:clrMapOvr>
     <a:overrideClrMapping bg1="lt1" tx1="dk1" bg2="lt2" tx2="dk2" accent1="accent1" accent2="accent2" accent3="accent3" accent4="accent4" accent5="accent5" accent6="accent6" hlink="hlink" folHlink="folHlink"/>
   </p:clrMapOvr>
-  <p:transition xmlns:p14="http://schemas.microsoft.com/office/powerpoint/2010/main">
+  <p:transition>
     <p:fade/>
   </p:transition>
 </p:sldLayout>
@@ -25638,7 +25638,7 @@
   <p:clrMapOvr>
     <a:masterClrMapping/>
   </p:clrMapOvr>
-  <p:transition xmlns:p14="http://schemas.microsoft.com/office/powerpoint/2010/main">
+  <p:transition>
     <p:fade/>
   </p:transition>
 </p:sldLayout>
@@ -25944,7 +25944,7 @@
   <p:clrMapOvr>
     <a:masterClrMapping/>
   </p:clrMapOvr>
-  <p:transition xmlns:p14="http://schemas.microsoft.com/office/powerpoint/2010/main">
+  <p:transition>
     <p:fade/>
   </p:transition>
 </p:sldLayout>
@@ -26401,7 +26401,7 @@
   <p:clrMapOvr>
     <a:masterClrMapping/>
   </p:clrMapOvr>
-  <p:transition xmlns:p14="http://schemas.microsoft.com/office/powerpoint/2010/main">
+  <p:transition>
     <p:fade/>
   </p:transition>
 </p:sldLayout>
@@ -26616,7 +26616,7 @@
   <p:clrMapOvr>
     <a:masterClrMapping/>
   </p:clrMapOvr>
-  <p:transition xmlns:p14="http://schemas.microsoft.com/office/powerpoint/2010/main">
+  <p:transition>
     <p:fade/>
   </p:transition>
 </p:sldLayout>
@@ -27254,7 +27254,7 @@
   <p:clrMapOvr>
     <a:masterClrMapping/>
   </p:clrMapOvr>
-  <p:transition xmlns:p14="http://schemas.microsoft.com/office/powerpoint/2010/main">
+  <p:transition>
     <p:fade/>
   </p:transition>
 </p:sldLayout>
@@ -27415,7 +27415,7 @@
                 <a:latin typeface="Segoe UI"/>
               </a:rPr>
               <a:pPr/>
-              <a:t>7/11/16</a:t>
+              <a:t>12/20/16</a:t>
             </a:fld>
             <a:endParaRPr lang="en-US">
               <a:solidFill>
@@ -27620,7 +27620,7 @@
                 <a:latin typeface="Segoe UI"/>
               </a:rPr>
               <a:pPr/>
-              <a:t>7/11/16</a:t>
+              <a:t>12/20/16</a:t>
             </a:fld>
             <a:endParaRPr lang="en-US">
               <a:solidFill>
@@ -27918,7 +27918,7 @@
                 <a:latin typeface="Segoe UI"/>
               </a:rPr>
               <a:pPr/>
-              <a:t>7/11/16</a:t>
+              <a:t>12/20/16</a:t>
             </a:fld>
             <a:endParaRPr lang="en-US">
               <a:solidFill>
@@ -28262,7 +28262,7 @@
                 <a:latin typeface="Segoe UI"/>
               </a:rPr>
               <a:pPr/>
-              <a:t>7/11/16</a:t>
+              <a:t>12/20/16</a:t>
             </a:fld>
             <a:endParaRPr lang="en-US">
               <a:solidFill>
@@ -28637,7 +28637,7 @@
                 <a:latin typeface="Segoe UI"/>
               </a:rPr>
               <a:pPr/>
-              <a:t>7/11/16</a:t>
+              <a:t>12/20/16</a:t>
             </a:fld>
             <a:endParaRPr lang="en-US">
               <a:solidFill>
@@ -29683,7 +29683,7 @@
   <p:clrMapOvr>
     <a:masterClrMapping/>
   </p:clrMapOvr>
-  <p:transition xmlns:p14="http://schemas.microsoft.com/office/powerpoint/2010/main">
+  <p:transition>
     <p:fade/>
   </p:transition>
 </p:sldLayout>
@@ -30144,7 +30144,7 @@
                 <a:latin typeface="Segoe UI"/>
               </a:rPr>
               <a:pPr/>
-              <a:t>7/11/16</a:t>
+              <a:t>12/20/16</a:t>
             </a:fld>
             <a:endParaRPr lang="en-US">
               <a:solidFill>
@@ -30545,7 +30545,7 @@
                 <a:latin typeface="Segoe UI"/>
               </a:rPr>
               <a:pPr/>
-              <a:t>7/11/16</a:t>
+              <a:t>12/20/16</a:t>
             </a:fld>
             <a:endParaRPr lang="en-US">
               <a:solidFill>
@@ -30699,7 +30699,7 @@
                 <a:latin typeface="Segoe UI"/>
               </a:rPr>
               <a:pPr/>
-              <a:t>7/11/16</a:t>
+              <a:t>12/20/16</a:t>
             </a:fld>
             <a:endParaRPr lang="en-US">
               <a:solidFill>
@@ -30831,7 +30831,7 @@
                 <a:latin typeface="Segoe UI"/>
               </a:rPr>
               <a:pPr/>
-              <a:t>7/11/16</a:t>
+              <a:t>12/20/16</a:t>
             </a:fld>
             <a:endParaRPr lang="en-US">
               <a:solidFill>
@@ -31143,7 +31143,7 @@
                 <a:latin typeface="Segoe UI"/>
               </a:rPr>
               <a:pPr/>
-              <a:t>7/11/16</a:t>
+              <a:t>12/20/16</a:t>
             </a:fld>
             <a:endParaRPr lang="en-US">
               <a:solidFill>
@@ -31432,7 +31432,7 @@
                 <a:latin typeface="Segoe UI"/>
               </a:rPr>
               <a:pPr/>
-              <a:t>7/11/16</a:t>
+              <a:t>12/20/16</a:t>
             </a:fld>
             <a:endParaRPr lang="en-US">
               <a:solidFill>
@@ -31637,7 +31637,7 @@
                 <a:latin typeface="Segoe UI"/>
               </a:rPr>
               <a:pPr/>
-              <a:t>7/11/16</a:t>
+              <a:t>12/20/16</a:t>
             </a:fld>
             <a:endParaRPr lang="en-US">
               <a:solidFill>
@@ -31852,7 +31852,7 @@
                 <a:latin typeface="Segoe UI"/>
               </a:rPr>
               <a:pPr/>
-              <a:t>7/11/16</a:t>
+              <a:t>12/20/16</a:t>
             </a:fld>
             <a:endParaRPr lang="en-US">
               <a:solidFill>
@@ -32097,7 +32097,7 @@
                 <a:latin typeface="Segoe UI"/>
               </a:rPr>
               <a:pPr/>
-              <a:t>7/11/16</a:t>
+              <a:t>12/20/16</a:t>
             </a:fld>
             <a:endParaRPr lang="en-US">
               <a:solidFill>
@@ -32283,7 +32283,7 @@
   <p:clrMapOvr>
     <a:masterClrMapping/>
   </p:clrMapOvr>
-  <p:transition xmlns:p14="http://schemas.microsoft.com/office/powerpoint/2010/main">
+  <p:transition>
     <p:fade/>
   </p:transition>
 </p:sldLayout>
@@ -32404,7 +32404,7 @@
                 <a:latin typeface="Segoe UI"/>
               </a:rPr>
               <a:pPr/>
-              <a:t>7/11/16</a:t>
+              <a:t>12/20/16</a:t>
             </a:fld>
             <a:endParaRPr lang="en-US">
               <a:solidFill>
@@ -32704,7 +32704,7 @@
                 <a:latin typeface="Segoe UI"/>
               </a:rPr>
               <a:pPr/>
-              <a:t>7/11/16</a:t>
+              <a:t>12/20/16</a:t>
             </a:fld>
             <a:endParaRPr lang="en-US">
               <a:solidFill>
@@ -32978,7 +32978,7 @@
                 <a:latin typeface="Segoe UI"/>
               </a:rPr>
               <a:pPr/>
-              <a:t>7/11/16</a:t>
+              <a:t>12/20/16</a:t>
             </a:fld>
             <a:endParaRPr lang="en-US">
               <a:solidFill>
@@ -33379,7 +33379,7 @@
                 <a:latin typeface="Segoe UI"/>
               </a:rPr>
               <a:pPr/>
-              <a:t>7/11/16</a:t>
+              <a:t>12/20/16</a:t>
             </a:fld>
             <a:endParaRPr lang="en-US">
               <a:solidFill>
@@ -33533,7 +33533,7 @@
                 <a:latin typeface="Segoe UI"/>
               </a:rPr>
               <a:pPr/>
-              <a:t>7/11/16</a:t>
+              <a:t>12/20/16</a:t>
             </a:fld>
             <a:endParaRPr lang="en-US">
               <a:solidFill>
@@ -33665,7 +33665,7 @@
                 <a:latin typeface="Segoe UI"/>
               </a:rPr>
               <a:pPr/>
-              <a:t>7/11/16</a:t>
+              <a:t>12/20/16</a:t>
             </a:fld>
             <a:endParaRPr lang="en-US">
               <a:solidFill>
@@ -33977,7 +33977,7 @@
                 <a:latin typeface="Segoe UI"/>
               </a:rPr>
               <a:pPr/>
-              <a:t>7/11/16</a:t>
+              <a:t>12/20/16</a:t>
             </a:fld>
             <a:endParaRPr lang="en-US">
               <a:solidFill>
@@ -34266,7 +34266,7 @@
                 <a:latin typeface="Segoe UI"/>
               </a:rPr>
               <a:pPr/>
-              <a:t>7/11/16</a:t>
+              <a:t>12/20/16</a:t>
             </a:fld>
             <a:endParaRPr lang="en-US">
               <a:solidFill>
@@ -34471,7 +34471,7 @@
                 <a:latin typeface="Segoe UI"/>
               </a:rPr>
               <a:pPr/>
-              <a:t>7/11/16</a:t>
+              <a:t>12/20/16</a:t>
             </a:fld>
             <a:endParaRPr lang="en-US">
               <a:solidFill>
@@ -34686,7 +34686,7 @@
                 <a:latin typeface="Segoe UI"/>
               </a:rPr>
               <a:pPr/>
-              <a:t>7/11/16</a:t>
+              <a:t>12/20/16</a:t>
             </a:fld>
             <a:endParaRPr lang="en-US">
               <a:solidFill>
@@ -34840,7 +34840,7 @@
   <p:clrMapOvr>
     <a:masterClrMapping/>
   </p:clrMapOvr>
-  <p:transition xmlns:p14="http://schemas.microsoft.com/office/powerpoint/2010/main">
+  <p:transition>
     <p:fade/>
   </p:transition>
 </p:sldLayout>
@@ -35001,7 +35001,7 @@
                 <a:latin typeface="Segoe UI"/>
               </a:rPr>
               <a:pPr/>
-              <a:t>7/11/16</a:t>
+              <a:t>12/20/16</a:t>
             </a:fld>
             <a:endParaRPr lang="en-US">
               <a:solidFill>
@@ -35206,7 +35206,7 @@
                 <a:latin typeface="Segoe UI"/>
               </a:rPr>
               <a:pPr/>
-              <a:t>7/11/16</a:t>
+              <a:t>12/20/16</a:t>
             </a:fld>
             <a:endParaRPr lang="en-US">
               <a:solidFill>
@@ -35504,7 +35504,7 @@
                 <a:latin typeface="Segoe UI"/>
               </a:rPr>
               <a:pPr/>
-              <a:t>7/11/16</a:t>
+              <a:t>12/20/16</a:t>
             </a:fld>
             <a:endParaRPr lang="en-US">
               <a:solidFill>
@@ -35848,7 +35848,7 @@
                 <a:latin typeface="Segoe UI"/>
               </a:rPr>
               <a:pPr/>
-              <a:t>7/11/16</a:t>
+              <a:t>12/20/16</a:t>
             </a:fld>
             <a:endParaRPr lang="en-US">
               <a:solidFill>
@@ -36223,7 +36223,7 @@
                 <a:latin typeface="Segoe UI"/>
               </a:rPr>
               <a:pPr/>
-              <a:t>7/11/16</a:t>
+              <a:t>12/20/16</a:t>
             </a:fld>
             <a:endParaRPr lang="en-US">
               <a:solidFill>
@@ -37167,7 +37167,7 @@
                 <a:latin typeface="Segoe UI"/>
               </a:rPr>
               <a:pPr/>
-              <a:t>7/11/16</a:t>
+              <a:t>12/20/16</a:t>
             </a:fld>
             <a:endParaRPr lang="en-US">
               <a:solidFill>
@@ -37568,7 +37568,7 @@
                 <a:latin typeface="Segoe UI"/>
               </a:rPr>
               <a:pPr/>
-              <a:t>7/11/16</a:t>
+              <a:t>12/20/16</a:t>
             </a:fld>
             <a:endParaRPr lang="en-US">
               <a:solidFill>
@@ -37685,7 +37685,7 @@
   <p:clrMapOvr>
     <a:masterClrMapping/>
   </p:clrMapOvr>
-  <p:transition xmlns:p14="http://schemas.microsoft.com/office/powerpoint/2010/main">
+  <p:transition>
     <p:fade/>
   </p:transition>
 </p:sldLayout>
@@ -37755,7 +37755,7 @@
                 <a:latin typeface="Segoe UI"/>
               </a:rPr>
               <a:pPr/>
-              <a:t>7/11/16</a:t>
+              <a:t>12/20/16</a:t>
             </a:fld>
             <a:endParaRPr lang="en-US">
               <a:solidFill>
@@ -37887,7 +37887,7 @@
                 <a:latin typeface="Segoe UI"/>
               </a:rPr>
               <a:pPr/>
-              <a:t>7/11/16</a:t>
+              <a:t>12/20/16</a:t>
             </a:fld>
             <a:endParaRPr lang="en-US">
               <a:solidFill>
@@ -38199,7 +38199,7 @@
                 <a:latin typeface="Segoe UI"/>
               </a:rPr>
               <a:pPr/>
-              <a:t>7/11/16</a:t>
+              <a:t>12/20/16</a:t>
             </a:fld>
             <a:endParaRPr lang="en-US">
               <a:solidFill>
@@ -38488,7 +38488,7 @@
                 <a:latin typeface="Segoe UI"/>
               </a:rPr>
               <a:pPr/>
-              <a:t>7/11/16</a:t>
+              <a:t>12/20/16</a:t>
             </a:fld>
             <a:endParaRPr lang="en-US">
               <a:solidFill>
@@ -38693,7 +38693,7 @@
                 <a:latin typeface="Segoe UI"/>
               </a:rPr>
               <a:pPr/>
-              <a:t>7/11/16</a:t>
+              <a:t>12/20/16</a:t>
             </a:fld>
             <a:endParaRPr lang="en-US">
               <a:solidFill>
@@ -38908,7 +38908,7 @@
                 <a:latin typeface="Segoe UI"/>
               </a:rPr>
               <a:pPr/>
-              <a:t>7/11/16</a:t>
+              <a:t>12/20/16</a:t>
             </a:fld>
             <a:endParaRPr lang="en-US">
               <a:solidFill>
@@ -39187,7 +39187,7 @@
   <p:clrMapOvr>
     <a:masterClrMapping/>
   </p:clrMapOvr>
-  <p:transition xmlns:p14="http://schemas.microsoft.com/office/powerpoint/2010/main">
+  <p:transition>
     <p:fade/>
   </p:transition>
 </p:sldLayout>
@@ -39340,7 +39340,7 @@
   <p:clrMapOvr>
     <a:masterClrMapping/>
   </p:clrMapOvr>
-  <p:transition xmlns:p14="http://schemas.microsoft.com/office/powerpoint/2010/main">
+  <p:transition>
     <p:fade/>
   </p:transition>
 </p:sldLayout>
@@ -39707,7 +39707,7 @@
   <p:clrMapOvr>
     <a:masterClrMapping/>
   </p:clrMapOvr>
-  <p:transition xmlns:p14="http://schemas.microsoft.com/office/powerpoint/2010/main">
+  <p:transition>
     <p:fade/>
   </p:transition>
 </p:sldLayout>
@@ -40164,7 +40164,7 @@
   <p:clrMapOvr>
     <a:masterClrMapping/>
   </p:clrMapOvr>
-  <p:transition xmlns:p14="http://schemas.microsoft.com/office/powerpoint/2010/main">
+  <p:transition>
     <p:fade/>
   </p:transition>
 </p:sldLayout>
@@ -40758,7 +40758,7 @@
   <p:clrMapOvr>
     <a:masterClrMapping/>
   </p:clrMapOvr>
-  <p:transition xmlns:p14="http://schemas.microsoft.com/office/powerpoint/2010/main">
+  <p:transition>
     <p:fade/>
   </p:transition>
 </p:sldLayout>
@@ -41321,7 +41321,7 @@
   <p:clrMapOvr>
     <a:masterClrMapping/>
   </p:clrMapOvr>
-  <p:transition xmlns:p14="http://schemas.microsoft.com/office/powerpoint/2010/main">
+  <p:transition>
     <p:fade/>
   </p:transition>
 </p:sldLayout>
@@ -41423,7 +41423,7 @@
   <p:clrMapOvr>
     <a:masterClrMapping/>
   </p:clrMapOvr>
-  <p:transition xmlns:p14="http://schemas.microsoft.com/office/powerpoint/2010/main">
+  <p:transition>
     <p:fade/>
   </p:transition>
 </p:sldLayout>
@@ -41493,7 +41493,7 @@
   <p:clrMapOvr>
     <a:masterClrMapping/>
   </p:clrMapOvr>
-  <p:transition xmlns:p14="http://schemas.microsoft.com/office/powerpoint/2010/main">
+  <p:transition>
     <p:fade/>
   </p:transition>
 </p:sldLayout>
@@ -41526,7 +41526,7 @@
   <p:clrMapOvr>
     <a:masterClrMapping/>
   </p:clrMapOvr>
-  <p:transition xmlns:p14="http://schemas.microsoft.com/office/powerpoint/2010/main">
+  <p:transition>
     <p:fade/>
   </p:transition>
 </p:sldLayout>
@@ -42122,7 +42122,7 @@
   <p:clrMapOvr>
     <a:masterClrMapping/>
   </p:clrMapOvr>
-  <p:transition xmlns:p14="http://schemas.microsoft.com/office/powerpoint/2010/main">
+  <p:transition>
     <p:fade/>
   </p:transition>
 </p:sldLayout>
@@ -42745,7 +42745,7 @@
   <p:clrMapOvr>
     <a:masterClrMapping/>
   </p:clrMapOvr>
-  <p:transition xmlns:p14="http://schemas.microsoft.com/office/powerpoint/2010/main">
+  <p:transition>
     <p:fade/>
   </p:transition>
 </p:sldLayout>
@@ -43293,7 +43293,7 @@
           </a:ln>
           <a:extLst>
             <a:ext uri="{91240B29-F687-4f45-9708-019B960494DF}">
-              <a14:hiddenLine xmlns:a14="http://schemas.microsoft.com/office/drawing/2010/main" w="9525">
+              <a14:hiddenLine xmlns:a14="http://schemas.microsoft.com/office/drawing/2010/main" xmlns="" w="9525">
                 <a:solidFill>
                   <a:srgbClr val="000000"/>
                 </a:solidFill>
@@ -43332,7 +43332,7 @@
   <p:clrMapOvr>
     <a:masterClrMapping/>
   </p:clrMapOvr>
-  <p:transition xmlns:p14="http://schemas.microsoft.com/office/powerpoint/2010/main">
+  <p:transition>
     <p:fade/>
   </p:transition>
 </p:sldLayout>
@@ -44938,7 +44938,7 @@
   <p:clrMapOvr>
     <a:masterClrMapping/>
   </p:clrMapOvr>
-  <p:transition xmlns:p14="http://schemas.microsoft.com/office/powerpoint/2010/main">
+  <p:transition>
     <p:fade/>
   </p:transition>
 </p:sldLayout>
@@ -45568,7 +45568,7 @@
   <p:clrMapOvr>
     <a:masterClrMapping/>
   </p:clrMapOvr>
-  <p:transition xmlns:p14="http://schemas.microsoft.com/office/powerpoint/2010/main">
+  <p:transition>
     <p:fade/>
   </p:transition>
 </p:sldLayout>
@@ -45875,7 +45875,7 @@
             </a:ln>
             <a:extLst>
               <a:ext uri="{91240B29-F687-4f45-9708-019B960494DF}">
-                <a14:hiddenLine xmlns:a14="http://schemas.microsoft.com/office/drawing/2010/main" w="9525">
+                <a14:hiddenLine xmlns:a14="http://schemas.microsoft.com/office/drawing/2010/main" xmlns="" w="9525">
                   <a:solidFill>
                     <a:srgbClr val="000000"/>
                   </a:solidFill>
@@ -46455,7 +46455,7 @@
             </a:ln>
             <a:extLst>
               <a:ext uri="{91240B29-F687-4f45-9708-019B960494DF}">
-                <a14:hiddenLine xmlns:a14="http://schemas.microsoft.com/office/drawing/2010/main" w="9525">
+                <a14:hiddenLine xmlns:a14="http://schemas.microsoft.com/office/drawing/2010/main" xmlns="" w="9525">
                   <a:solidFill>
                     <a:srgbClr val="000000"/>
                   </a:solidFill>
@@ -46495,7 +46495,7 @@
   <p:clrMapOvr>
     <a:masterClrMapping/>
   </p:clrMapOvr>
-  <p:transition xmlns:p14="http://schemas.microsoft.com/office/powerpoint/2010/main">
+  <p:transition>
     <p:fade/>
   </p:transition>
 </p:sldLayout>
@@ -46689,7 +46689,7 @@
     <p:sldLayoutId id="2147483700" r:id="rId20"/>
     <p:sldLayoutId id="2147483701" r:id="rId21"/>
   </p:sldLayoutIdLst>
-  <p:transition xmlns:p14="http://schemas.microsoft.com/office/powerpoint/2010/main">
+  <p:transition>
     <p:fade/>
   </p:transition>
   <p:txStyles>
@@ -47172,7 +47172,7 @@
     <p:sldLayoutId id="2147483725" r:id="rId20"/>
     <p:sldLayoutId id="2147483726" r:id="rId21"/>
   </p:sldLayoutIdLst>
-  <p:transition xmlns:p14="http://schemas.microsoft.com/office/powerpoint/2010/main">
+  <p:transition>
     <p:fade/>
   </p:transition>
   <p:txStyles>
@@ -47662,7 +47662,7 @@
                 <a:latin typeface="Segoe UI"/>
               </a:rPr>
               <a:pPr/>
-              <a:t>7/11/16</a:t>
+              <a:t>12/20/16</a:t>
             </a:fld>
             <a:endParaRPr lang="en-US">
               <a:solidFill>
@@ -48242,7 +48242,7 @@
                 <a:latin typeface="Segoe UI"/>
               </a:rPr>
               <a:pPr/>
-              <a:t>7/11/16</a:t>
+              <a:t>12/20/16</a:t>
             </a:fld>
             <a:endParaRPr lang="en-US">
               <a:solidFill>
@@ -48817,7 +48817,7 @@
                 <a:latin typeface="Segoe UI"/>
               </a:rPr>
               <a:pPr/>
-              <a:t>7/11/16</a:t>
+              <a:t>12/20/16</a:t>
             </a:fld>
             <a:endParaRPr lang="en-US">
               <a:solidFill>
@@ -49392,7 +49392,7 @@
     <p:sldLayoutId id="2147483812" r:id="rId22"/>
     <p:sldLayoutId id="2147483813" r:id="rId23"/>
   </p:sldLayoutIdLst>
-  <p:transition xmlns:p14="http://schemas.microsoft.com/office/powerpoint/2010/main">
+  <p:transition>
     <p:fade/>
   </p:transition>
   <p:txStyles>
@@ -49809,7 +49809,7 @@
               <a:t>, </a:t>
             </a:r>
             <a:r>
-              <a:rPr lang="en-US" sz="4000" dirty="0">
+              <a:rPr lang="en-US" sz="4000">
                 <a:solidFill>
                   <a:srgbClr val="FFFF00"/>
                 </a:solidFill>
@@ -49818,10 +49818,10 @@
             </a:r>
             <a:r>
               <a:rPr lang="en-US" dirty="0"/>
-              <a:t>7</a:t>
-            </a:r>
-            <a:r>
-              <a:rPr lang="en-US" sz="4000" dirty="0" smtClean="0">
+              <a:t>8</a:t>
+            </a:r>
+            <a:r>
+              <a:rPr lang="en-US" sz="4000" smtClean="0">
                 <a:solidFill>
                   <a:srgbClr val="FFFF00"/>
                 </a:solidFill>
@@ -49877,7 +49877,7 @@
   <p:timing>
     <p:tnLst>
       <p:par>
-        <p:cTn xmlns:p14="http://schemas.microsoft.com/office/powerpoint/2010/main" id="1" dur="indefinite" restart="never" nodeType="tmRoot"/>
+        <p:cTn id="1" dur="indefinite" restart="never" nodeType="tmRoot"/>
       </p:par>
     </p:tnLst>
   </p:timing>
@@ -52682,13 +52682,13 @@
   <p:clrMapOvr>
     <a:masterClrMapping/>
   </p:clrMapOvr>
-  <p:transition xmlns:p14="http://schemas.microsoft.com/office/powerpoint/2010/main">
+  <p:transition>
     <p:fade/>
   </p:transition>
   <p:timing>
     <p:tnLst>
       <p:par>
-        <p:cTn xmlns:p14="http://schemas.microsoft.com/office/powerpoint/2010/main" id="1" dur="indefinite" restart="never" nodeType="tmRoot"/>
+        <p:cTn id="1" dur="indefinite" restart="never" nodeType="tmRoot"/>
       </p:par>
     </p:tnLst>
   </p:timing>
@@ -54814,13 +54814,13 @@
   <p:clrMapOvr>
     <a:masterClrMapping/>
   </p:clrMapOvr>
-  <p:transition xmlns:p14="http://schemas.microsoft.com/office/powerpoint/2010/main">
+  <p:transition>
     <p:fade/>
   </p:transition>
   <p:timing>
     <p:tnLst>
       <p:par>
-        <p:cTn xmlns:p14="http://schemas.microsoft.com/office/powerpoint/2010/main" id="1" dur="indefinite" restart="never" nodeType="tmRoot"/>
+        <p:cTn id="1" dur="indefinite" restart="never" nodeType="tmRoot"/>
       </p:par>
     </p:tnLst>
   </p:timing>
@@ -55287,13 +55287,13 @@
   <p:clrMapOvr>
     <a:masterClrMapping/>
   </p:clrMapOvr>
-  <p:transition xmlns:p14="http://schemas.microsoft.com/office/powerpoint/2010/main">
+  <p:transition>
     <p:fade/>
   </p:transition>
   <p:timing>
     <p:tnLst>
       <p:par>
-        <p:cTn xmlns:p14="http://schemas.microsoft.com/office/powerpoint/2010/main" id="1" dur="indefinite" restart="never" nodeType="tmRoot"/>
+        <p:cTn id="1" dur="indefinite" restart="never" nodeType="tmRoot"/>
       </p:par>
     </p:tnLst>
   </p:timing>
@@ -55544,7 +55544,7 @@
   <p:timing>
     <p:tnLst>
       <p:par>
-        <p:cTn xmlns:p14="http://schemas.microsoft.com/office/powerpoint/2010/main" id="1" dur="indefinite" restart="never" nodeType="tmRoot"/>
+        <p:cTn id="1" dur="indefinite" restart="never" nodeType="tmRoot"/>
       </p:par>
     </p:tnLst>
   </p:timing>
@@ -55823,7 +55823,7 @@
   <p:timing>
     <p:tnLst>
       <p:par>
-        <p:cTn xmlns:p14="http://schemas.microsoft.com/office/powerpoint/2010/main" id="1" dur="indefinite" restart="never" nodeType="tmRoot"/>
+        <p:cTn id="1" dur="indefinite" restart="never" nodeType="tmRoot"/>
       </p:par>
     </p:tnLst>
   </p:timing>
@@ -56869,7 +56869,7 @@
   <a:extraClrSchemeLst/>
   <a:extLst>
     <a:ext uri="{05A4C25C-085E-4340-85A3-A5531E510DB2}">
-      <thm15:themeFamily xmlns:thm15="http://schemas.microsoft.com/office/thememl/2012/main" xmlns="" name="Azure4ResearchTemplate" id="{DD1C6CE8-BDBA-0D4F-9930-3643ABC8EF0E}" vid="{B5C66FD7-0952-994B-96D6-AB3BB89097FE}"/>
+      <thm15:themeFamily xmlns:thm15="http://schemas.microsoft.com/office/thememl/2012/main" name="Azure4ResearchTemplate" id="{DD1C6CE8-BDBA-0D4F-9930-3643ABC8EF0E}" vid="{B5C66FD7-0952-994B-96D6-AB3BB89097FE}"/>
     </a:ext>
   </a:extLst>
 </a:theme>
@@ -57202,7 +57202,7 @@
   <a:extraClrSchemeLst/>
   <a:extLst>
     <a:ext uri="{05A4C25C-085E-4340-85A3-A5531E510DB2}">
-      <thm15:themeFamily xmlns:thm15="http://schemas.microsoft.com/office/thememl/2012/main" xmlns="" name="Azure4ResearchTemplate" id="{DD1C6CE8-BDBA-0D4F-9930-3643ABC8EF0E}" vid="{B5C66FD7-0952-994B-96D6-AB3BB89097FE}"/>
+      <thm15:themeFamily xmlns:thm15="http://schemas.microsoft.com/office/thememl/2012/main" name="Azure4ResearchTemplate" id="{DD1C6CE8-BDBA-0D4F-9930-3643ABC8EF0E}" vid="{B5C66FD7-0952-994B-96D6-AB3BB89097FE}"/>
     </a:ext>
   </a:extLst>
 </a:theme>
@@ -57471,7 +57471,7 @@
   <a:extraClrSchemeLst/>
   <a:extLst>
     <a:ext uri="{05A4C25C-085E-4340-85A3-A5531E510DB2}">
-      <thm15:themeFamily xmlns:thm15="http://schemas.microsoft.com/office/thememl/2012/main" xmlns="" name="Office Theme" id="{62F939B6-93AF-4DB8-9C6B-D6C7DFDC589F}" vid="{4A3C46E8-61CC-4603-A589-7422A47A8E4A}"/>
+      <thm15:themeFamily xmlns:thm15="http://schemas.microsoft.com/office/thememl/2012/main" name="Office Theme" id="{62F939B6-93AF-4DB8-9C6B-D6C7DFDC589F}" vid="{4A3C46E8-61CC-4603-A589-7422A47A8E4A}"/>
     </a:ext>
   </a:extLst>
 </a:theme>
@@ -57672,7 +57672,7 @@
   <a:extraClrSchemeLst/>
   <a:extLst>
     <a:ext uri="{05A4C25C-085E-4340-85A3-A5531E510DB2}">
-      <thm15:themeFamily xmlns:thm15="http://schemas.microsoft.com/office/thememl/2012/main" xmlns="" name="Office Theme" id="{62F939B6-93AF-4DB8-9C6B-D6C7DFDC589F}" vid="{4A3C46E8-61CC-4603-A589-7422A47A8E4A}"/>
+      <thm15:themeFamily xmlns:thm15="http://schemas.microsoft.com/office/thememl/2012/main" name="Office Theme" id="{62F939B6-93AF-4DB8-9C6B-D6C7DFDC589F}" vid="{4A3C46E8-61CC-4603-A589-7422A47A8E4A}"/>
     </a:ext>
   </a:extLst>
 </a:theme>
@@ -57941,7 +57941,7 @@
   <a:extraClrSchemeLst/>
   <a:extLst>
     <a:ext uri="{05A4C25C-085E-4340-85A3-A5531E510DB2}">
-      <thm15:themeFamily xmlns:thm15="http://schemas.microsoft.com/office/thememl/2012/main" xmlns="" name="Office Theme" id="{62F939B6-93AF-4DB8-9C6B-D6C7DFDC589F}" vid="{4A3C46E8-61CC-4603-A589-7422A47A8E4A}"/>
+      <thm15:themeFamily xmlns:thm15="http://schemas.microsoft.com/office/thememl/2012/main" name="Office Theme" id="{62F939B6-93AF-4DB8-9C6B-D6C7DFDC589F}" vid="{4A3C46E8-61CC-4603-A589-7422A47A8E4A}"/>
     </a:ext>
   </a:extLst>
 </a:theme>
@@ -58274,7 +58274,7 @@
   <a:extraClrSchemeLst/>
   <a:extLst>
     <a:ext uri="{05A4C25C-085E-4340-85A3-A5531E510DB2}">
-      <thm15:themeFamily xmlns:thm15="http://schemas.microsoft.com/office/thememl/2012/main" xmlns="" name="Azure4ResearchTemplate" id="{DD1C6CE8-BDBA-0D4F-9930-3643ABC8EF0E}" vid="{B5C66FD7-0952-994B-96D6-AB3BB89097FE}"/>
+      <thm15:themeFamily xmlns:thm15="http://schemas.microsoft.com/office/thememl/2012/main" name="Azure4ResearchTemplate" id="{DD1C6CE8-BDBA-0D4F-9930-3643ABC8EF0E}" vid="{B5C66FD7-0952-994B-96D6-AB3BB89097FE}"/>
     </a:ext>
   </a:extLst>
 </a:theme>
@@ -58535,7 +58535,7 @@
   <a:extraClrSchemeLst/>
   <a:extLst>
     <a:ext uri="{05A4C25C-085E-4340-85A3-A5531E510DB2}">
-      <thm15:themeFamily xmlns:thm15="http://schemas.microsoft.com/office/thememl/2012/main" xmlns="" name="Office Theme" id="{62F939B6-93AF-4DB8-9C6B-D6C7DFDC589F}" vid="{4A3C46E8-61CC-4603-A589-7422A47A8E4A}"/>
+      <thm15:themeFamily xmlns:thm15="http://schemas.microsoft.com/office/thememl/2012/main" name="Office Theme" id="{62F939B6-93AF-4DB8-9C6B-D6C7DFDC589F}" vid="{4A3C46E8-61CC-4603-A589-7422A47A8E4A}"/>
     </a:ext>
   </a:extLst>
 </a:theme>

--- a/Complimentary Course Content/Module2/Lessons/Module2_Lesson8 Deploying Node.js Web Applications to Azure.pptx
+++ b/Complimentary Course Content/Module2/Lessons/Module2_Lesson8 Deploying Node.js Web Applications to Azure.pptx
@@ -716,7 +716,11 @@
             </a:pPr>
             <a:r>
               <a:rPr lang="en-US" b="0" baseline="0" dirty="0" smtClean="0"/>
-              <a:t>This file can be found in Module 2/Lesson7/hello-world/</a:t>
+              <a:t>This file can be found in Module </a:t>
+            </a:r>
+            <a:r>
+              <a:rPr lang="en-US" b="0" baseline="0" dirty="0" smtClean="0"/>
+              <a:t>2/Lesson8/hello-world/</a:t>
             </a:r>
             <a:r>
               <a:rPr lang="en-US" b="0" baseline="0" dirty="0" err="1" smtClean="0"/>
@@ -856,11 +860,15 @@
             </a:r>
             <a:r>
               <a:rPr lang="en-US" b="0" baseline="0" dirty="0" smtClean="0"/>
-              <a:t> file can be found in Module 2/</a:t>
+              <a:t> file can be found in Module </a:t>
+            </a:r>
+            <a:r>
+              <a:rPr lang="en-US" b="0" baseline="0" dirty="0" smtClean="0"/>
+              <a:t>2/</a:t>
             </a:r>
             <a:r>
               <a:rPr lang="en-US" dirty="0" smtClean="0"/>
-              <a:t>lesson7/hello-world/</a:t>
+              <a:t>lesson8/hello-world/</a:t>
             </a:r>
             <a:r>
               <a:rPr lang="en-US" dirty="0" err="1" smtClean="0"/>
@@ -895,7 +903,7 @@
             </a:r>
             <a:r>
               <a:rPr lang="en-US" b="0" dirty="0" err="1" smtClean="0"/>
-              <a:t>evn</a:t>
+              <a:t>env</a:t>
             </a:r>
             <a:r>
               <a:rPr lang="en-US" b="0" dirty="0" smtClean="0"/>
@@ -2958,7 +2966,7 @@
             </a:pPr>
             <a:r>
               <a:rPr lang="en-US" baseline="0" dirty="0" smtClean="0"/>
-              <a:t>lesson7/</a:t>
+              <a:t>lesson8/</a:t>
             </a:r>
             <a:r>
               <a:rPr lang="en-US" baseline="0" dirty="0" err="1" smtClean="0"/>
@@ -3177,7 +3185,7 @@
             </a:pPr>
             <a:r>
               <a:rPr lang="en-US" baseline="0" dirty="0" smtClean="0"/>
-              <a:t>lesson7/</a:t>
+              <a:t>lesson8/</a:t>
             </a:r>
             <a:r>
               <a:rPr lang="en-US" baseline="0" dirty="0" err="1" smtClean="0"/>
@@ -3406,7 +3414,7 @@
             </a:r>
             <a:r>
               <a:rPr lang="en-US" b="0" baseline="0" dirty="0" smtClean="0"/>
-              <a:t> Module 2 Lesson 7 Lab should be competed at this time</a:t>
+              <a:t> Module 2 Lesson 8 Lab should be competed at this time</a:t>
             </a:r>
           </a:p>
           <a:p>
@@ -3440,7 +3448,7 @@
             </a:r>
             <a:r>
               <a:rPr lang="en-US" b="0" baseline="0" smtClean="0"/>
-              <a:t>/blob/master/Complimentary%20Course%20Content/Module2/Labs/Module%202%20Lesson%207%20Lab.docx</a:t>
+              <a:t>/blob/master/Complimentary%20Course%20Content/Module2/Labs/Module%202%20Lesson%208%20Lab.docx</a:t>
             </a:r>
             <a:endParaRPr lang="en-US" dirty="0"/>
           </a:p>
@@ -50454,15 +50462,15 @@
           <a:p>
             <a:r>
               <a:rPr lang="en-US" sz="2000" dirty="0"/>
-              <a:t>azure site create --</a:t>
-            </a:r>
-            <a:r>
-              <a:rPr lang="en-US" sz="2000" dirty="0" err="1"/>
-              <a:t>git</a:t>
+              <a:t>azure site </a:t>
+            </a:r>
+            <a:r>
+              <a:rPr lang="en-US" sz="2000" dirty="0" smtClean="0"/>
+              <a:t>create </a:t>
             </a:r>
             <a:r>
               <a:rPr lang="en-US" sz="2000" dirty="0"/>
-              <a:t> {</a:t>
+              <a:t>{</a:t>
             </a:r>
             <a:r>
               <a:rPr lang="en-US" sz="2000" dirty="0" err="1"/>
@@ -50470,7 +50478,11 @@
             </a:r>
             <a:r>
               <a:rPr lang="en-US" sz="2000" dirty="0" smtClean="0"/>
-              <a:t>}</a:t>
+              <a:t>} --</a:t>
+            </a:r>
+            <a:r>
+              <a:rPr lang="en-US" sz="2000" dirty="0" err="1" smtClean="0"/>
+              <a:t>git</a:t>
             </a:r>
             <a:endParaRPr lang="en-US" sz="2000" dirty="0"/>
           </a:p>
@@ -50619,20 +50631,17 @@
             </a:r>
             <a:r>
               <a:rPr lang="en-US" sz="1800" dirty="0"/>
-              <a:t>site create --</a:t>
-            </a:r>
-            <a:r>
-              <a:rPr lang="en-US" sz="1800" dirty="0" err="1"/>
+              <a:t>site </a:t>
+            </a:r>
+            <a:r>
+              <a:rPr lang="en-US" sz="1800" dirty="0" smtClean="0"/>
+              <a:t>create hellojs2 --</a:t>
+            </a:r>
+            <a:r>
+              <a:rPr lang="en-US" sz="1800" dirty="0" err="1" smtClean="0"/>
               <a:t>git</a:t>
             </a:r>
-            <a:r>
-              <a:rPr lang="en-US" sz="1800" dirty="0"/>
-              <a:t> </a:t>
-            </a:r>
-            <a:r>
-              <a:rPr lang="en-US" sz="1800" dirty="0" smtClean="0"/>
-              <a:t>hellojs2</a:t>
-            </a:r>
+            <a:endParaRPr lang="en-US" sz="1800" dirty="0" smtClean="0"/>
           </a:p>
           <a:p>
             <a:pPr>
@@ -53435,18 +53444,10 @@
                     <a:srgbClr val="FFFFFF"/>
                   </a:solidFill>
                 </a:rPr>
-                <a:t> and explain </a:t>
+                <a:t> and explain that </a:t>
               </a:r>
               <a:r>
-                <a:rPr lang="en-US" sz="2800">
-                  <a:solidFill>
-                    <a:srgbClr val="FFFFFF"/>
-                  </a:solidFill>
-                </a:rPr>
-                <a:t>that </a:t>
-              </a:r>
-              <a:r>
-                <a:rPr lang="en-US" sz="2800" smtClean="0">
+                <a:rPr lang="en-US" sz="2800" dirty="0" smtClean="0">
                   <a:solidFill>
                     <a:srgbClr val="FFFFFF"/>
                   </a:solidFill>
@@ -53481,7 +53482,7 @@
                     <a:srgbClr val="FFFFFF"/>
                   </a:solidFill>
                 </a:rPr>
-                <a:t>lesson7/</a:t>
+                <a:t>lesson8/</a:t>
               </a:r>
               <a:r>
                 <a:rPr lang="en-US" sz="2800" dirty="0" err="1" smtClean="0">

--- a/Complimentary Course Content/Module2/Lessons/Module2_Lesson8 Deploying Node.js Web Applications to Azure.pptx
+++ b/Complimentary Course Content/Module2/Lessons/Module2_Lesson8 Deploying Node.js Web Applications to Azure.pptx
@@ -293,7 +293,7 @@
             <a:fld id="{2E5CA586-3557-4985-BCD4-35EF5AC8B4A4}" type="datetimeFigureOut">
               <a:rPr lang="en-US" smtClean="0"/>
               <a:pPr/>
-              <a:t>12/20/16</a:t>
+              <a:t>12/29/16</a:t>
             </a:fld>
             <a:endParaRPr lang="en-US"/>
           </a:p>
@@ -720,7 +720,33 @@
             </a:r>
             <a:r>
               <a:rPr lang="en-US" b="0" baseline="0" dirty="0" smtClean="0"/>
-              <a:t>2/Lesson8/hello-world/</a:t>
+              <a:t>2/code/lesson8/</a:t>
+            </a:r>
+            <a:r>
+              <a:rPr lang="en-US" sz="1200" kern="1200" dirty="0" err="1" smtClean="0">
+                <a:solidFill>
+                  <a:schemeClr val="tx1"/>
+                </a:solidFill>
+                <a:latin typeface="+mn-lt"/>
+                <a:ea typeface="+mn-ea"/>
+                <a:cs typeface="+mn-cs"/>
+              </a:rPr>
+              <a:t>nodejs</a:t>
+            </a:r>
+            <a:r>
+              <a:rPr lang="en-US" sz="1200" kern="1200" dirty="0" smtClean="0">
+                <a:solidFill>
+                  <a:schemeClr val="tx1"/>
+                </a:solidFill>
+                <a:latin typeface="+mn-lt"/>
+                <a:ea typeface="+mn-ea"/>
+                <a:cs typeface="+mn-cs"/>
+              </a:rPr>
+              <a:t>-express-hello-world-app</a:t>
+            </a:r>
+            <a:r>
+              <a:rPr lang="en-US" b="0" baseline="0" dirty="0" smtClean="0"/>
+              <a:t>/</a:t>
             </a:r>
             <a:r>
               <a:rPr lang="en-US" b="0" baseline="0" dirty="0" err="1" smtClean="0"/>
@@ -864,11 +890,37 @@
             </a:r>
             <a:r>
               <a:rPr lang="en-US" b="0" baseline="0" dirty="0" smtClean="0"/>
-              <a:t>2/</a:t>
+              <a:t>2/code/l</a:t>
             </a:r>
             <a:r>
               <a:rPr lang="en-US" dirty="0" smtClean="0"/>
-              <a:t>lesson8/hello-world/</a:t>
+              <a:t>esson8/</a:t>
+            </a:r>
+            <a:r>
+              <a:rPr lang="en-US" sz="1200" kern="1200" dirty="0" err="1" smtClean="0">
+                <a:solidFill>
+                  <a:schemeClr val="tx1"/>
+                </a:solidFill>
+                <a:latin typeface="+mn-lt"/>
+                <a:ea typeface="+mn-ea"/>
+                <a:cs typeface="+mn-cs"/>
+              </a:rPr>
+              <a:t>nodejs</a:t>
+            </a:r>
+            <a:r>
+              <a:rPr lang="en-US" sz="1200" kern="1200" dirty="0" smtClean="0">
+                <a:solidFill>
+                  <a:schemeClr val="tx1"/>
+                </a:solidFill>
+                <a:latin typeface="+mn-lt"/>
+                <a:ea typeface="+mn-ea"/>
+                <a:cs typeface="+mn-cs"/>
+              </a:rPr>
+              <a:t>-express-hello-world-app</a:t>
+            </a:r>
+            <a:r>
+              <a:rPr lang="en-US" dirty="0" smtClean="0"/>
+              <a:t>/</a:t>
             </a:r>
             <a:r>
               <a:rPr lang="en-US" dirty="0" err="1" smtClean="0"/>
@@ -7143,7 +7195,7 @@
             </a:ln>
             <a:extLst>
               <a:ext uri="{91240B29-F687-4f45-9708-019B960494DF}">
-                <a14:hiddenLine xmlns:a14="http://schemas.microsoft.com/office/drawing/2010/main" xmlns="" w="9525">
+                <a14:hiddenLine xmlns="" xmlns:a14="http://schemas.microsoft.com/office/drawing/2010/main" w="9525">
                   <a:solidFill>
                     <a:srgbClr val="000000"/>
                   </a:solidFill>
@@ -7195,7 +7247,7 @@
             </a:ln>
             <a:extLst>
               <a:ext uri="{91240B29-F687-4f45-9708-019B960494DF}">
-                <a14:hiddenLine xmlns:a14="http://schemas.microsoft.com/office/drawing/2010/main" xmlns="" w="9525">
+                <a14:hiddenLine xmlns="" xmlns:a14="http://schemas.microsoft.com/office/drawing/2010/main" w="9525">
                   <a:solidFill>
                     <a:srgbClr val="000000"/>
                   </a:solidFill>
@@ -7247,7 +7299,7 @@
             </a:ln>
             <a:extLst>
               <a:ext uri="{91240B29-F687-4f45-9708-019B960494DF}">
-                <a14:hiddenLine xmlns:a14="http://schemas.microsoft.com/office/drawing/2010/main" xmlns="" w="9525">
+                <a14:hiddenLine xmlns="" xmlns:a14="http://schemas.microsoft.com/office/drawing/2010/main" w="9525">
                   <a:solidFill>
                     <a:srgbClr val="000000"/>
                   </a:solidFill>
@@ -7299,7 +7351,7 @@
             </a:ln>
             <a:extLst>
               <a:ext uri="{91240B29-F687-4f45-9708-019B960494DF}">
-                <a14:hiddenLine xmlns:a14="http://schemas.microsoft.com/office/drawing/2010/main" xmlns="" w="9525">
+                <a14:hiddenLine xmlns="" xmlns:a14="http://schemas.microsoft.com/office/drawing/2010/main" w="9525">
                   <a:solidFill>
                     <a:srgbClr val="000000"/>
                   </a:solidFill>
@@ -7351,7 +7403,7 @@
             </a:ln>
             <a:extLst>
               <a:ext uri="{91240B29-F687-4f45-9708-019B960494DF}">
-                <a14:hiddenLine xmlns:a14="http://schemas.microsoft.com/office/drawing/2010/main" xmlns="" w="9525">
+                <a14:hiddenLine xmlns="" xmlns:a14="http://schemas.microsoft.com/office/drawing/2010/main" w="9525">
                   <a:solidFill>
                     <a:srgbClr val="000000"/>
                   </a:solidFill>
@@ -9056,7 +9108,7 @@
                 <a:latin typeface="Segoe UI"/>
               </a:rPr>
               <a:pPr/>
-              <a:t>12/20/16</a:t>
+              <a:t>12/29/16</a:t>
             </a:fld>
             <a:endParaRPr lang="en-US">
               <a:solidFill>
@@ -9859,7 +9911,7 @@
           </a:ln>
           <a:extLst>
             <a:ext uri="{91240B29-F687-4f45-9708-019B960494DF}">
-              <a14:hiddenLine xmlns:a14="http://schemas.microsoft.com/office/drawing/2010/main" xmlns="" w="9525">
+              <a14:hiddenLine xmlns="" xmlns:a14="http://schemas.microsoft.com/office/drawing/2010/main" w="9525">
                 <a:solidFill>
                   <a:srgbClr val="000000"/>
                 </a:solidFill>
@@ -12434,7 +12486,7 @@
             </a:ln>
             <a:extLst>
               <a:ext uri="{91240B29-F687-4f45-9708-019B960494DF}">
-                <a14:hiddenLine xmlns:a14="http://schemas.microsoft.com/office/drawing/2010/main" xmlns="" w="9525">
+                <a14:hiddenLine xmlns="" xmlns:a14="http://schemas.microsoft.com/office/drawing/2010/main" w="9525">
                   <a:solidFill>
                     <a:srgbClr val="000000"/>
                   </a:solidFill>
@@ -13013,7 +13065,7 @@
             </a:ln>
             <a:extLst>
               <a:ext uri="{91240B29-F687-4f45-9708-019B960494DF}">
-                <a14:hiddenLine xmlns:a14="http://schemas.microsoft.com/office/drawing/2010/main" xmlns="" w="9525">
+                <a14:hiddenLine xmlns="" xmlns:a14="http://schemas.microsoft.com/office/drawing/2010/main" w="9525">
                   <a:solidFill>
                     <a:srgbClr val="000000"/>
                   </a:solidFill>
@@ -14455,7 +14507,7 @@
             </a:ln>
             <a:extLst>
               <a:ext uri="{91240B29-F687-4f45-9708-019B960494DF}">
-                <a14:hiddenLine xmlns:a14="http://schemas.microsoft.com/office/drawing/2010/main" xmlns="" w="9525">
+                <a14:hiddenLine xmlns="" xmlns:a14="http://schemas.microsoft.com/office/drawing/2010/main" w="9525">
                   <a:solidFill>
                     <a:srgbClr val="000000"/>
                   </a:solidFill>
@@ -14506,7 +14558,7 @@
             </a:ln>
             <a:extLst>
               <a:ext uri="{91240B29-F687-4f45-9708-019B960494DF}">
-                <a14:hiddenLine xmlns:a14="http://schemas.microsoft.com/office/drawing/2010/main" xmlns="" w="9525">
+                <a14:hiddenLine xmlns="" xmlns:a14="http://schemas.microsoft.com/office/drawing/2010/main" w="9525">
                   <a:solidFill>
                     <a:srgbClr val="000000"/>
                   </a:solidFill>
@@ -14557,7 +14609,7 @@
             </a:ln>
             <a:extLst>
               <a:ext uri="{91240B29-F687-4f45-9708-019B960494DF}">
-                <a14:hiddenLine xmlns:a14="http://schemas.microsoft.com/office/drawing/2010/main" xmlns="" w="9525">
+                <a14:hiddenLine xmlns="" xmlns:a14="http://schemas.microsoft.com/office/drawing/2010/main" w="9525">
                   <a:solidFill>
                     <a:srgbClr val="000000"/>
                   </a:solidFill>
@@ -14608,7 +14660,7 @@
             </a:ln>
             <a:extLst>
               <a:ext uri="{91240B29-F687-4f45-9708-019B960494DF}">
-                <a14:hiddenLine xmlns:a14="http://schemas.microsoft.com/office/drawing/2010/main" xmlns="" w="9525">
+                <a14:hiddenLine xmlns="" xmlns:a14="http://schemas.microsoft.com/office/drawing/2010/main" w="9525">
                   <a:solidFill>
                     <a:srgbClr val="000000"/>
                   </a:solidFill>
@@ -14659,7 +14711,7 @@
             </a:ln>
             <a:extLst>
               <a:ext uri="{91240B29-F687-4f45-9708-019B960494DF}">
-                <a14:hiddenLine xmlns:a14="http://schemas.microsoft.com/office/drawing/2010/main" xmlns="" w="9525">
+                <a14:hiddenLine xmlns="" xmlns:a14="http://schemas.microsoft.com/office/drawing/2010/main" w="9525">
                   <a:solidFill>
                     <a:srgbClr val="000000"/>
                   </a:solidFill>
@@ -20446,7 +20498,7 @@
           </a:ln>
           <a:extLst>
             <a:ext uri="{91240B29-F687-4f45-9708-019B960494DF}">
-              <a14:hiddenLine xmlns:a14="http://schemas.microsoft.com/office/drawing/2010/main" xmlns="" w="9525">
+              <a14:hiddenLine xmlns="" xmlns:a14="http://schemas.microsoft.com/office/drawing/2010/main" w="9525">
                 <a:solidFill>
                   <a:srgbClr val="000000"/>
                 </a:solidFill>
@@ -23021,7 +23073,7 @@
             </a:ln>
             <a:extLst>
               <a:ext uri="{91240B29-F687-4f45-9708-019B960494DF}">
-                <a14:hiddenLine xmlns:a14="http://schemas.microsoft.com/office/drawing/2010/main" xmlns="" w="9525">
+                <a14:hiddenLine xmlns="" xmlns:a14="http://schemas.microsoft.com/office/drawing/2010/main" w="9525">
                   <a:solidFill>
                     <a:srgbClr val="000000"/>
                   </a:solidFill>
@@ -23600,7 +23652,7 @@
             </a:ln>
             <a:extLst>
               <a:ext uri="{91240B29-F687-4f45-9708-019B960494DF}">
-                <a14:hiddenLine xmlns:a14="http://schemas.microsoft.com/office/drawing/2010/main" xmlns="" w="9525">
+                <a14:hiddenLine xmlns="" xmlns:a14="http://schemas.microsoft.com/office/drawing/2010/main" w="9525">
                   <a:solidFill>
                     <a:srgbClr val="000000"/>
                   </a:solidFill>
@@ -25042,7 +25094,7 @@
             </a:ln>
             <a:extLst>
               <a:ext uri="{91240B29-F687-4f45-9708-019B960494DF}">
-                <a14:hiddenLine xmlns:a14="http://schemas.microsoft.com/office/drawing/2010/main" xmlns="" w="9525">
+                <a14:hiddenLine xmlns="" xmlns:a14="http://schemas.microsoft.com/office/drawing/2010/main" w="9525">
                   <a:solidFill>
                     <a:srgbClr val="000000"/>
                   </a:solidFill>
@@ -25093,7 +25145,7 @@
             </a:ln>
             <a:extLst>
               <a:ext uri="{91240B29-F687-4f45-9708-019B960494DF}">
-                <a14:hiddenLine xmlns:a14="http://schemas.microsoft.com/office/drawing/2010/main" xmlns="" w="9525">
+                <a14:hiddenLine xmlns="" xmlns:a14="http://schemas.microsoft.com/office/drawing/2010/main" w="9525">
                   <a:solidFill>
                     <a:srgbClr val="000000"/>
                   </a:solidFill>
@@ -25144,7 +25196,7 @@
             </a:ln>
             <a:extLst>
               <a:ext uri="{91240B29-F687-4f45-9708-019B960494DF}">
-                <a14:hiddenLine xmlns:a14="http://schemas.microsoft.com/office/drawing/2010/main" xmlns="" w="9525">
+                <a14:hiddenLine xmlns="" xmlns:a14="http://schemas.microsoft.com/office/drawing/2010/main" w="9525">
                   <a:solidFill>
                     <a:srgbClr val="000000"/>
                   </a:solidFill>
@@ -25195,7 +25247,7 @@
             </a:ln>
             <a:extLst>
               <a:ext uri="{91240B29-F687-4f45-9708-019B960494DF}">
-                <a14:hiddenLine xmlns:a14="http://schemas.microsoft.com/office/drawing/2010/main" xmlns="" w="9525">
+                <a14:hiddenLine xmlns="" xmlns:a14="http://schemas.microsoft.com/office/drawing/2010/main" w="9525">
                   <a:solidFill>
                     <a:srgbClr val="000000"/>
                   </a:solidFill>
@@ -25246,7 +25298,7 @@
             </a:ln>
             <a:extLst>
               <a:ext uri="{91240B29-F687-4f45-9708-019B960494DF}">
-                <a14:hiddenLine xmlns:a14="http://schemas.microsoft.com/office/drawing/2010/main" xmlns="" w="9525">
+                <a14:hiddenLine xmlns="" xmlns:a14="http://schemas.microsoft.com/office/drawing/2010/main" w="9525">
                   <a:solidFill>
                     <a:srgbClr val="000000"/>
                   </a:solidFill>
@@ -27423,7 +27475,7 @@
                 <a:latin typeface="Segoe UI"/>
               </a:rPr>
               <a:pPr/>
-              <a:t>12/20/16</a:t>
+              <a:t>12/29/16</a:t>
             </a:fld>
             <a:endParaRPr lang="en-US">
               <a:solidFill>
@@ -27628,7 +27680,7 @@
                 <a:latin typeface="Segoe UI"/>
               </a:rPr>
               <a:pPr/>
-              <a:t>12/20/16</a:t>
+              <a:t>12/29/16</a:t>
             </a:fld>
             <a:endParaRPr lang="en-US">
               <a:solidFill>
@@ -27926,7 +27978,7 @@
                 <a:latin typeface="Segoe UI"/>
               </a:rPr>
               <a:pPr/>
-              <a:t>12/20/16</a:t>
+              <a:t>12/29/16</a:t>
             </a:fld>
             <a:endParaRPr lang="en-US">
               <a:solidFill>
@@ -28270,7 +28322,7 @@
                 <a:latin typeface="Segoe UI"/>
               </a:rPr>
               <a:pPr/>
-              <a:t>12/20/16</a:t>
+              <a:t>12/29/16</a:t>
             </a:fld>
             <a:endParaRPr lang="en-US">
               <a:solidFill>
@@ -28645,7 +28697,7 @@
                 <a:latin typeface="Segoe UI"/>
               </a:rPr>
               <a:pPr/>
-              <a:t>12/20/16</a:t>
+              <a:t>12/29/16</a:t>
             </a:fld>
             <a:endParaRPr lang="en-US">
               <a:solidFill>
@@ -30152,7 +30204,7 @@
                 <a:latin typeface="Segoe UI"/>
               </a:rPr>
               <a:pPr/>
-              <a:t>12/20/16</a:t>
+              <a:t>12/29/16</a:t>
             </a:fld>
             <a:endParaRPr lang="en-US">
               <a:solidFill>
@@ -30553,7 +30605,7 @@
                 <a:latin typeface="Segoe UI"/>
               </a:rPr>
               <a:pPr/>
-              <a:t>12/20/16</a:t>
+              <a:t>12/29/16</a:t>
             </a:fld>
             <a:endParaRPr lang="en-US">
               <a:solidFill>
@@ -30707,7 +30759,7 @@
                 <a:latin typeface="Segoe UI"/>
               </a:rPr>
               <a:pPr/>
-              <a:t>12/20/16</a:t>
+              <a:t>12/29/16</a:t>
             </a:fld>
             <a:endParaRPr lang="en-US">
               <a:solidFill>
@@ -30839,7 +30891,7 @@
                 <a:latin typeface="Segoe UI"/>
               </a:rPr>
               <a:pPr/>
-              <a:t>12/20/16</a:t>
+              <a:t>12/29/16</a:t>
             </a:fld>
             <a:endParaRPr lang="en-US">
               <a:solidFill>
@@ -31151,7 +31203,7 @@
                 <a:latin typeface="Segoe UI"/>
               </a:rPr>
               <a:pPr/>
-              <a:t>12/20/16</a:t>
+              <a:t>12/29/16</a:t>
             </a:fld>
             <a:endParaRPr lang="en-US">
               <a:solidFill>
@@ -31440,7 +31492,7 @@
                 <a:latin typeface="Segoe UI"/>
               </a:rPr>
               <a:pPr/>
-              <a:t>12/20/16</a:t>
+              <a:t>12/29/16</a:t>
             </a:fld>
             <a:endParaRPr lang="en-US">
               <a:solidFill>
@@ -31645,7 +31697,7 @@
                 <a:latin typeface="Segoe UI"/>
               </a:rPr>
               <a:pPr/>
-              <a:t>12/20/16</a:t>
+              <a:t>12/29/16</a:t>
             </a:fld>
             <a:endParaRPr lang="en-US">
               <a:solidFill>
@@ -31860,7 +31912,7 @@
                 <a:latin typeface="Segoe UI"/>
               </a:rPr>
               <a:pPr/>
-              <a:t>12/20/16</a:t>
+              <a:t>12/29/16</a:t>
             </a:fld>
             <a:endParaRPr lang="en-US">
               <a:solidFill>
@@ -32105,7 +32157,7 @@
                 <a:latin typeface="Segoe UI"/>
               </a:rPr>
               <a:pPr/>
-              <a:t>12/20/16</a:t>
+              <a:t>12/29/16</a:t>
             </a:fld>
             <a:endParaRPr lang="en-US">
               <a:solidFill>
@@ -32412,7 +32464,7 @@
                 <a:latin typeface="Segoe UI"/>
               </a:rPr>
               <a:pPr/>
-              <a:t>12/20/16</a:t>
+              <a:t>12/29/16</a:t>
             </a:fld>
             <a:endParaRPr lang="en-US">
               <a:solidFill>
@@ -32712,7 +32764,7 @@
                 <a:latin typeface="Segoe UI"/>
               </a:rPr>
               <a:pPr/>
-              <a:t>12/20/16</a:t>
+              <a:t>12/29/16</a:t>
             </a:fld>
             <a:endParaRPr lang="en-US">
               <a:solidFill>
@@ -32986,7 +33038,7 @@
                 <a:latin typeface="Segoe UI"/>
               </a:rPr>
               <a:pPr/>
-              <a:t>12/20/16</a:t>
+              <a:t>12/29/16</a:t>
             </a:fld>
             <a:endParaRPr lang="en-US">
               <a:solidFill>
@@ -33387,7 +33439,7 @@
                 <a:latin typeface="Segoe UI"/>
               </a:rPr>
               <a:pPr/>
-              <a:t>12/20/16</a:t>
+              <a:t>12/29/16</a:t>
             </a:fld>
             <a:endParaRPr lang="en-US">
               <a:solidFill>
@@ -33541,7 +33593,7 @@
                 <a:latin typeface="Segoe UI"/>
               </a:rPr>
               <a:pPr/>
-              <a:t>12/20/16</a:t>
+              <a:t>12/29/16</a:t>
             </a:fld>
             <a:endParaRPr lang="en-US">
               <a:solidFill>
@@ -33673,7 +33725,7 @@
                 <a:latin typeface="Segoe UI"/>
               </a:rPr>
               <a:pPr/>
-              <a:t>12/20/16</a:t>
+              <a:t>12/29/16</a:t>
             </a:fld>
             <a:endParaRPr lang="en-US">
               <a:solidFill>
@@ -33985,7 +34037,7 @@
                 <a:latin typeface="Segoe UI"/>
               </a:rPr>
               <a:pPr/>
-              <a:t>12/20/16</a:t>
+              <a:t>12/29/16</a:t>
             </a:fld>
             <a:endParaRPr lang="en-US">
               <a:solidFill>
@@ -34274,7 +34326,7 @@
                 <a:latin typeface="Segoe UI"/>
               </a:rPr>
               <a:pPr/>
-              <a:t>12/20/16</a:t>
+              <a:t>12/29/16</a:t>
             </a:fld>
             <a:endParaRPr lang="en-US">
               <a:solidFill>
@@ -34479,7 +34531,7 @@
                 <a:latin typeface="Segoe UI"/>
               </a:rPr>
               <a:pPr/>
-              <a:t>12/20/16</a:t>
+              <a:t>12/29/16</a:t>
             </a:fld>
             <a:endParaRPr lang="en-US">
               <a:solidFill>
@@ -34694,7 +34746,7 @@
                 <a:latin typeface="Segoe UI"/>
               </a:rPr>
               <a:pPr/>
-              <a:t>12/20/16</a:t>
+              <a:t>12/29/16</a:t>
             </a:fld>
             <a:endParaRPr lang="en-US">
               <a:solidFill>
@@ -35009,7 +35061,7 @@
                 <a:latin typeface="Segoe UI"/>
               </a:rPr>
               <a:pPr/>
-              <a:t>12/20/16</a:t>
+              <a:t>12/29/16</a:t>
             </a:fld>
             <a:endParaRPr lang="en-US">
               <a:solidFill>
@@ -35214,7 +35266,7 @@
                 <a:latin typeface="Segoe UI"/>
               </a:rPr>
               <a:pPr/>
-              <a:t>12/20/16</a:t>
+              <a:t>12/29/16</a:t>
             </a:fld>
             <a:endParaRPr lang="en-US">
               <a:solidFill>
@@ -35512,7 +35564,7 @@
                 <a:latin typeface="Segoe UI"/>
               </a:rPr>
               <a:pPr/>
-              <a:t>12/20/16</a:t>
+              <a:t>12/29/16</a:t>
             </a:fld>
             <a:endParaRPr lang="en-US">
               <a:solidFill>
@@ -35856,7 +35908,7 @@
                 <a:latin typeface="Segoe UI"/>
               </a:rPr>
               <a:pPr/>
-              <a:t>12/20/16</a:t>
+              <a:t>12/29/16</a:t>
             </a:fld>
             <a:endParaRPr lang="en-US">
               <a:solidFill>
@@ -36231,7 +36283,7 @@
                 <a:latin typeface="Segoe UI"/>
               </a:rPr>
               <a:pPr/>
-              <a:t>12/20/16</a:t>
+              <a:t>12/29/16</a:t>
             </a:fld>
             <a:endParaRPr lang="en-US">
               <a:solidFill>
@@ -37175,7 +37227,7 @@
                 <a:latin typeface="Segoe UI"/>
               </a:rPr>
               <a:pPr/>
-              <a:t>12/20/16</a:t>
+              <a:t>12/29/16</a:t>
             </a:fld>
             <a:endParaRPr lang="en-US">
               <a:solidFill>
@@ -37576,7 +37628,7 @@
                 <a:latin typeface="Segoe UI"/>
               </a:rPr>
               <a:pPr/>
-              <a:t>12/20/16</a:t>
+              <a:t>12/29/16</a:t>
             </a:fld>
             <a:endParaRPr lang="en-US">
               <a:solidFill>
@@ -37763,7 +37815,7 @@
                 <a:latin typeface="Segoe UI"/>
               </a:rPr>
               <a:pPr/>
-              <a:t>12/20/16</a:t>
+              <a:t>12/29/16</a:t>
             </a:fld>
             <a:endParaRPr lang="en-US">
               <a:solidFill>
@@ -37895,7 +37947,7 @@
                 <a:latin typeface="Segoe UI"/>
               </a:rPr>
               <a:pPr/>
-              <a:t>12/20/16</a:t>
+              <a:t>12/29/16</a:t>
             </a:fld>
             <a:endParaRPr lang="en-US">
               <a:solidFill>
@@ -38207,7 +38259,7 @@
                 <a:latin typeface="Segoe UI"/>
               </a:rPr>
               <a:pPr/>
-              <a:t>12/20/16</a:t>
+              <a:t>12/29/16</a:t>
             </a:fld>
             <a:endParaRPr lang="en-US">
               <a:solidFill>
@@ -38496,7 +38548,7 @@
                 <a:latin typeface="Segoe UI"/>
               </a:rPr>
               <a:pPr/>
-              <a:t>12/20/16</a:t>
+              <a:t>12/29/16</a:t>
             </a:fld>
             <a:endParaRPr lang="en-US">
               <a:solidFill>
@@ -38701,7 +38753,7 @@
                 <a:latin typeface="Segoe UI"/>
               </a:rPr>
               <a:pPr/>
-              <a:t>12/20/16</a:t>
+              <a:t>12/29/16</a:t>
             </a:fld>
             <a:endParaRPr lang="en-US">
               <a:solidFill>
@@ -38916,7 +38968,7 @@
                 <a:latin typeface="Segoe UI"/>
               </a:rPr>
               <a:pPr/>
-              <a:t>12/20/16</a:t>
+              <a:t>12/29/16</a:t>
             </a:fld>
             <a:endParaRPr lang="en-US">
               <a:solidFill>
@@ -43301,7 +43353,7 @@
           </a:ln>
           <a:extLst>
             <a:ext uri="{91240B29-F687-4f45-9708-019B960494DF}">
-              <a14:hiddenLine xmlns:a14="http://schemas.microsoft.com/office/drawing/2010/main" xmlns="" w="9525">
+              <a14:hiddenLine xmlns="" xmlns:a14="http://schemas.microsoft.com/office/drawing/2010/main" w="9525">
                 <a:solidFill>
                   <a:srgbClr val="000000"/>
                 </a:solidFill>
@@ -45883,7 +45935,7 @@
             </a:ln>
             <a:extLst>
               <a:ext uri="{91240B29-F687-4f45-9708-019B960494DF}">
-                <a14:hiddenLine xmlns:a14="http://schemas.microsoft.com/office/drawing/2010/main" xmlns="" w="9525">
+                <a14:hiddenLine xmlns="" xmlns:a14="http://schemas.microsoft.com/office/drawing/2010/main" w="9525">
                   <a:solidFill>
                     <a:srgbClr val="000000"/>
                   </a:solidFill>
@@ -46463,7 +46515,7 @@
             </a:ln>
             <a:extLst>
               <a:ext uri="{91240B29-F687-4f45-9708-019B960494DF}">
-                <a14:hiddenLine xmlns:a14="http://schemas.microsoft.com/office/drawing/2010/main" xmlns="" w="9525">
+                <a14:hiddenLine xmlns="" xmlns:a14="http://schemas.microsoft.com/office/drawing/2010/main" w="9525">
                   <a:solidFill>
                     <a:srgbClr val="000000"/>
                   </a:solidFill>
@@ -47670,7 +47722,7 @@
                 <a:latin typeface="Segoe UI"/>
               </a:rPr>
               <a:pPr/>
-              <a:t>12/20/16</a:t>
+              <a:t>12/29/16</a:t>
             </a:fld>
             <a:endParaRPr lang="en-US">
               <a:solidFill>
@@ -48250,7 +48302,7 @@
                 <a:latin typeface="Segoe UI"/>
               </a:rPr>
               <a:pPr/>
-              <a:t>12/20/16</a:t>
+              <a:t>12/29/16</a:t>
             </a:fld>
             <a:endParaRPr lang="en-US">
               <a:solidFill>
@@ -48825,7 +48877,7 @@
                 <a:latin typeface="Segoe UI"/>
               </a:rPr>
               <a:pPr/>
-              <a:t>12/20/16</a:t>
+              <a:t>12/29/16</a:t>
             </a:fld>
             <a:endParaRPr lang="en-US">
               <a:solidFill>
@@ -49976,8 +50028,13 @@
             </a:pPr>
             <a:r>
               <a:rPr lang="en-US" sz="1800" dirty="0"/>
-              <a:t>  "name": "lesson7",</a:t>
-            </a:r>
+              <a:t>  "name": "</a:t>
+            </a:r>
+            <a:r>
+              <a:rPr lang="en-US" sz="1800" dirty="0" smtClean="0"/>
+              <a:t>lesson8",</a:t>
+            </a:r>
+            <a:endParaRPr lang="en-US" sz="1800" dirty="0"/>
           </a:p>
           <a:p>
             <a:pPr>
@@ -56469,14 +56526,26 @@
           <a:lstStyle/>
           <a:p>
             <a:r>
+              <a:rPr lang="en-US" sz="2000" dirty="0" smtClean="0"/>
+              <a:t>/</a:t>
+            </a:r>
+            <a:r>
+              <a:rPr lang="en-US" sz="2000" dirty="0" err="1" smtClean="0"/>
+              <a:t>nodejs</a:t>
+            </a:r>
+            <a:r>
+              <a:rPr lang="en-US" sz="2000" dirty="0" smtClean="0"/>
+              <a:t>-express-hello-world-app</a:t>
+            </a:r>
+          </a:p>
+          <a:p>
+            <a:r>
+              <a:rPr lang="en-US" sz="2000" dirty="0" smtClean="0"/>
+              <a:t>  </a:t>
+            </a:r>
+            <a:r>
               <a:rPr lang="en-US" sz="2000" dirty="0"/>
-              <a:t>/hello-world</a:t>
-            </a:r>
-          </a:p>
-          <a:p>
-            <a:r>
-              <a:rPr lang="en-US" sz="2000" dirty="0"/>
-              <a:t>  .</a:t>
+              <a:t>.</a:t>
             </a:r>
             <a:r>
               <a:rPr lang="en-US" sz="2000" dirty="0" err="1"/>
